--- a/DemoBackBone/src/main/resources/Slide/Underscore.pptx
+++ b/DemoBackBone/src/main/resources/Slide/Underscore.pptx
@@ -308,7 +308,7 @@
             <a:fld id="{D763724C-E7A2-4A6D-A4BD-CDB6C1C03172}" type="datetimeFigureOut">
               <a:rPr lang="en-US" smtClean="0"/>
               <a:pPr/>
-              <a:t>5/4/2015</a:t>
+              <a:t>5/13/2015</a:t>
             </a:fld>
             <a:endParaRPr lang="en-US"/>
           </a:p>
@@ -475,7 +475,7 @@
             <a:fld id="{D763724C-E7A2-4A6D-A4BD-CDB6C1C03172}" type="datetimeFigureOut">
               <a:rPr lang="en-US" smtClean="0"/>
               <a:pPr/>
-              <a:t>5/4/2015</a:t>
+              <a:t>5/13/2015</a:t>
             </a:fld>
             <a:endParaRPr lang="en-US"/>
           </a:p>
@@ -652,7 +652,7 @@
             <a:fld id="{D763724C-E7A2-4A6D-A4BD-CDB6C1C03172}" type="datetimeFigureOut">
               <a:rPr lang="en-US" smtClean="0"/>
               <a:pPr/>
-              <a:t>5/4/2015</a:t>
+              <a:t>5/13/2015</a:t>
             </a:fld>
             <a:endParaRPr lang="en-US"/>
           </a:p>
@@ -819,7 +819,7 @@
             <a:fld id="{D763724C-E7A2-4A6D-A4BD-CDB6C1C03172}" type="datetimeFigureOut">
               <a:rPr lang="en-US" smtClean="0"/>
               <a:pPr/>
-              <a:t>5/4/2015</a:t>
+              <a:t>5/13/2015</a:t>
             </a:fld>
             <a:endParaRPr lang="en-US"/>
           </a:p>
@@ -1062,7 +1062,7 @@
             <a:fld id="{D763724C-E7A2-4A6D-A4BD-CDB6C1C03172}" type="datetimeFigureOut">
               <a:rPr lang="en-US" smtClean="0"/>
               <a:pPr/>
-              <a:t>5/4/2015</a:t>
+              <a:t>5/13/2015</a:t>
             </a:fld>
             <a:endParaRPr lang="en-US"/>
           </a:p>
@@ -1347,7 +1347,7 @@
             <a:fld id="{D763724C-E7A2-4A6D-A4BD-CDB6C1C03172}" type="datetimeFigureOut">
               <a:rPr lang="en-US" smtClean="0"/>
               <a:pPr/>
-              <a:t>5/4/2015</a:t>
+              <a:t>5/13/2015</a:t>
             </a:fld>
             <a:endParaRPr lang="en-US"/>
           </a:p>
@@ -1766,7 +1766,7 @@
             <a:fld id="{D763724C-E7A2-4A6D-A4BD-CDB6C1C03172}" type="datetimeFigureOut">
               <a:rPr lang="en-US" smtClean="0"/>
               <a:pPr/>
-              <a:t>5/4/2015</a:t>
+              <a:t>5/13/2015</a:t>
             </a:fld>
             <a:endParaRPr lang="en-US"/>
           </a:p>
@@ -1881,7 +1881,7 @@
             <a:fld id="{D763724C-E7A2-4A6D-A4BD-CDB6C1C03172}" type="datetimeFigureOut">
               <a:rPr lang="en-US" smtClean="0"/>
               <a:pPr/>
-              <a:t>5/4/2015</a:t>
+              <a:t>5/13/2015</a:t>
             </a:fld>
             <a:endParaRPr lang="en-US"/>
           </a:p>
@@ -1973,7 +1973,7 @@
             <a:fld id="{D763724C-E7A2-4A6D-A4BD-CDB6C1C03172}" type="datetimeFigureOut">
               <a:rPr lang="en-US" smtClean="0"/>
               <a:pPr/>
-              <a:t>5/4/2015</a:t>
+              <a:t>5/13/2015</a:t>
             </a:fld>
             <a:endParaRPr lang="en-US"/>
           </a:p>
@@ -2247,7 +2247,7 @@
             <a:fld id="{D763724C-E7A2-4A6D-A4BD-CDB6C1C03172}" type="datetimeFigureOut">
               <a:rPr lang="en-US" smtClean="0"/>
               <a:pPr/>
-              <a:t>5/4/2015</a:t>
+              <a:t>5/13/2015</a:t>
             </a:fld>
             <a:endParaRPr lang="en-US"/>
           </a:p>
@@ -2501,7 +2501,7 @@
             <a:fld id="{D763724C-E7A2-4A6D-A4BD-CDB6C1C03172}" type="datetimeFigureOut">
               <a:rPr lang="en-US" smtClean="0"/>
               <a:pPr/>
-              <a:t>5/4/2015</a:t>
+              <a:t>5/13/2015</a:t>
             </a:fld>
             <a:endParaRPr lang="en-US"/>
           </a:p>
@@ -2711,7 +2711,7 @@
             <a:fld id="{D763724C-E7A2-4A6D-A4BD-CDB6C1C03172}" type="datetimeFigureOut">
               <a:rPr lang="en-US" smtClean="0"/>
               <a:pPr/>
-              <a:t>5/4/2015</a:t>
+              <a:t>5/13/2015</a:t>
             </a:fld>
             <a:endParaRPr lang="en-US" dirty="0"/>
           </a:p>
@@ -3192,14 +3192,7 @@
                 <a:ea typeface="SimSun" pitchFamily="2" charset="-122"/>
                 <a:cs typeface="Palatino-Roman"/>
               </a:rPr>
-              <a:t>CODE</a:t>
-            </a:r>
-            <a:r>
-              <a:rPr lang="en-US" sz="1400" b="1" dirty="0" smtClean="0">
-                <a:ea typeface="SimSun" pitchFamily="2" charset="-122"/>
-                <a:cs typeface="Palatino-Roman"/>
-              </a:rPr>
-              <a:t>:</a:t>
+              <a:t>CODE:</a:t>
             </a:r>
           </a:p>
           <a:p>
@@ -4376,7 +4369,7 @@
             </a:r>
           </a:p>
           <a:p>
-            <a:pPr indent="225425">
+            <a:pPr indent="571500">
               <a:buNone/>
             </a:pPr>
             <a:r>
@@ -5271,14 +5264,7 @@
                 <a:ea typeface="SimSun" pitchFamily="2" charset="-122"/>
                 <a:cs typeface="Palatino-Roman"/>
               </a:rPr>
-              <a:t>CODE</a:t>
-            </a:r>
-            <a:r>
-              <a:rPr lang="en-US" sz="1400" b="1" dirty="0" smtClean="0">
-                <a:ea typeface="SimSun" pitchFamily="2" charset="-122"/>
-                <a:cs typeface="Palatino-Roman"/>
-              </a:rPr>
-              <a:t>:</a:t>
+              <a:t>CODE:</a:t>
             </a:r>
           </a:p>
           <a:p>
@@ -6344,40 +6330,6 @@
       </p:grpSpPr>
       <p:sp>
         <p:nvSpPr>
-          <p:cNvPr id="2" name="Title 1"/>
-          <p:cNvSpPr>
-            <a:spLocks noGrp="1"/>
-          </p:cNvSpPr>
-          <p:nvPr>
-            <p:ph type="ctrTitle"/>
-          </p:nvPr>
-        </p:nvSpPr>
-        <p:spPr>
-          <a:xfrm>
-            <a:off x="685800" y="2130425"/>
-            <a:ext cx="7772400" cy="1470025"/>
-          </a:xfrm>
-        </p:spPr>
-        <p:txBody>
-          <a:bodyPr/>
-          <a:lstStyle/>
-          <a:p>
-            <a:r>
-              <a:rPr lang="en-US" sz="6600" b="1" dirty="0" smtClean="0">
-                <a:latin typeface="Times New Roman" pitchFamily="18" charset="0"/>
-                <a:cs typeface="Times New Roman" pitchFamily="18" charset="0"/>
-              </a:rPr>
-              <a:t>Underscore</a:t>
-            </a:r>
-            <a:endParaRPr lang="en-US" b="1" dirty="0">
-              <a:latin typeface="Times New Roman" pitchFamily="18" charset="0"/>
-              <a:cs typeface="Times New Roman" pitchFamily="18" charset="0"/>
-            </a:endParaRPr>
-          </a:p>
-        </p:txBody>
-      </p:sp>
-      <p:sp>
-        <p:nvSpPr>
           <p:cNvPr id="4" name="TextBox 3"/>
           <p:cNvSpPr txBox="1"/>
           <p:nvPr/>
@@ -6402,18 +6354,38 @@
               <a:rPr lang="en-US" dirty="0" smtClean="0">
                 <a:hlinkClick r:id="rId2"/>
               </a:rPr>
-              <a:t>http://</a:t>
-            </a:r>
-            <a:r>
-              <a:rPr lang="en-US" dirty="0" smtClean="0">
-                <a:hlinkClick r:id="rId2"/>
-              </a:rPr>
-              <a:t>underscorejs.org</a:t>
+              <a:t>http://underscorejs.org</a:t>
             </a:r>
             <a:endParaRPr lang="en-US" dirty="0" smtClean="0"/>
           </a:p>
         </p:txBody>
       </p:sp>
+      <p:pic>
+        <p:nvPicPr>
+          <p:cNvPr id="15362" name="Picture 2" descr="Underscore.js"/>
+          <p:cNvPicPr>
+            <a:picLocks noChangeAspect="1" noChangeArrowheads="1"/>
+          </p:cNvPicPr>
+          <p:nvPr/>
+        </p:nvPicPr>
+        <p:blipFill>
+          <a:blip r:embed="rId3" cstate="print"/>
+          <a:srcRect/>
+          <a:stretch>
+            <a:fillRect/>
+          </a:stretch>
+        </p:blipFill>
+        <p:spPr bwMode="auto">
+          <a:xfrm>
+            <a:off x="685800" y="1752600"/>
+            <a:ext cx="7543800" cy="1314451"/>
+          </a:xfrm>
+          <a:prstGeom prst="rect">
+            <a:avLst/>
+          </a:prstGeom>
+          <a:noFill/>
+        </p:spPr>
+      </p:pic>
     </p:spTree>
   </p:cSld>
   <p:clrMapOvr>
@@ -6495,17 +6467,10 @@
                 <a:latin typeface="Times New Roman" pitchFamily="18" charset="0"/>
                 <a:cs typeface="Times New Roman" pitchFamily="18" charset="0"/>
               </a:rPr>
-              <a:t>V1.8.3: </a:t>
-            </a:r>
-            <a:r>
-              <a:rPr lang="en-US" sz="2400" i="1" dirty="0" smtClean="0">
-                <a:latin typeface="Times New Roman" pitchFamily="18" charset="0"/>
-                <a:cs typeface="Times New Roman" pitchFamily="18" charset="0"/>
-              </a:rPr>
-              <a:t>5.7kb, Minified and </a:t>
-            </a:r>
-            <a:r>
-              <a:rPr lang="en-US" sz="2400" i="1" dirty="0" err="1" smtClean="0">
+              <a:t>V1.8.3: 5.7kb, Minified and </a:t>
+            </a:r>
+            <a:r>
+              <a:rPr lang="en-US" sz="2400" dirty="0" err="1" smtClean="0">
                 <a:latin typeface="Times New Roman" pitchFamily="18" charset="0"/>
                 <a:cs typeface="Times New Roman" pitchFamily="18" charset="0"/>
               </a:rPr>
@@ -6537,25 +6502,21 @@
             </a:endParaRPr>
           </a:p>
           <a:p>
-            <a:endParaRPr lang="en-US" sz="2400" dirty="0" smtClean="0">
-              <a:latin typeface="Times New Roman" pitchFamily="18" charset="0"/>
-              <a:cs typeface="Times New Roman" pitchFamily="18" charset="0"/>
-            </a:endParaRPr>
-          </a:p>
-          <a:p>
             <a:r>
               <a:rPr lang="en-US" sz="2400" dirty="0" smtClean="0">
                 <a:latin typeface="Times New Roman" pitchFamily="18" charset="0"/>
                 <a:cs typeface="Times New Roman" pitchFamily="18" charset="0"/>
               </a:rPr>
-              <a:t>Most </a:t>
-            </a:r>
+              <a:t>Most widely used package in NPM.</a:t>
+            </a:r>
+          </a:p>
+          <a:p>
             <a:r>
               <a:rPr lang="en-US" sz="2400" dirty="0" smtClean="0">
                 <a:latin typeface="Times New Roman" pitchFamily="18" charset="0"/>
                 <a:cs typeface="Times New Roman" pitchFamily="18" charset="0"/>
               </a:rPr>
-              <a:t>widely used package in NPM.</a:t>
+              <a:t>Implements functional programming concepts.</a:t>
             </a:r>
           </a:p>
           <a:p>
@@ -6564,46 +6525,16 @@
                 <a:latin typeface="Times New Roman" pitchFamily="18" charset="0"/>
                 <a:cs typeface="Times New Roman" pitchFamily="18" charset="0"/>
               </a:rPr>
-              <a:t>Implements </a:t>
-            </a:r>
+              <a:t>Mostly considered client side, but works great on the server.</a:t>
+            </a:r>
+          </a:p>
+          <a:p>
             <a:r>
               <a:rPr lang="en-US" sz="2400" dirty="0" smtClean="0">
                 <a:latin typeface="Times New Roman" pitchFamily="18" charset="0"/>
                 <a:cs typeface="Times New Roman" pitchFamily="18" charset="0"/>
               </a:rPr>
-              <a:t>functional programming concepts.</a:t>
-            </a:r>
-          </a:p>
-          <a:p>
-            <a:r>
-              <a:rPr lang="en-US" sz="2400" dirty="0" smtClean="0">
-                <a:latin typeface="Times New Roman" pitchFamily="18" charset="0"/>
-                <a:cs typeface="Times New Roman" pitchFamily="18" charset="0"/>
-              </a:rPr>
-              <a:t>Mostly considered client side, but works great on the server.</a:t>
-            </a:r>
-          </a:p>
-          <a:p>
-            <a:r>
-              <a:rPr lang="en-US" sz="2400" dirty="0" smtClean="0">
-                <a:latin typeface="Times New Roman" pitchFamily="18" charset="0"/>
-                <a:cs typeface="Times New Roman" pitchFamily="18" charset="0"/>
-              </a:rPr>
-              <a:t>Basis </a:t>
-            </a:r>
-            <a:r>
-              <a:rPr lang="en-US" sz="2400" dirty="0" smtClean="0">
-                <a:latin typeface="Times New Roman" pitchFamily="18" charset="0"/>
-                <a:cs typeface="Times New Roman" pitchFamily="18" charset="0"/>
-              </a:rPr>
-              <a:t>or inspiration of many popular libraries</a:t>
-            </a:r>
-            <a:r>
-              <a:rPr lang="en-US" sz="2400" dirty="0" smtClean="0">
-                <a:latin typeface="Times New Roman" pitchFamily="18" charset="0"/>
-                <a:cs typeface="Times New Roman" pitchFamily="18" charset="0"/>
-              </a:rPr>
-              <a:t>.</a:t>
+              <a:t>Basis or inspiration of many popular libraries.</a:t>
             </a:r>
           </a:p>
           <a:p>
@@ -6690,19 +6621,31 @@
                 <a:latin typeface="Times New Roman" pitchFamily="18" charset="0"/>
                 <a:cs typeface="Times New Roman" pitchFamily="18" charset="0"/>
               </a:rPr>
-              <a:t>Arrays</a:t>
-            </a:r>
+              <a:t>Arrays:</a:t>
+            </a:r>
+          </a:p>
+          <a:p>
+            <a:pPr indent="517525">
+              <a:buNone/>
+            </a:pPr>
+            <a:r>
+              <a:rPr lang="en-US" sz="2400" dirty="0" smtClean="0">
+                <a:solidFill>
+                  <a:srgbClr val="000000"/>
+                </a:solidFill>
+                <a:latin typeface="Consolas"/>
+              </a:rPr>
+              <a:t>[ 1, 2, 3, 4, 5]</a:t>
+            </a:r>
+          </a:p>
+          <a:p>
             <a:r>
               <a:rPr lang="en-US" sz="2400" dirty="0" smtClean="0">
                 <a:latin typeface="Times New Roman" pitchFamily="18" charset="0"/>
                 <a:cs typeface="Times New Roman" pitchFamily="18" charset="0"/>
               </a:rPr>
-              <a:t>:</a:t>
-            </a:r>
-            <a:endParaRPr lang="en-US" sz="2400" dirty="0" smtClean="0">
-              <a:latin typeface="Times New Roman" pitchFamily="18" charset="0"/>
-              <a:cs typeface="Times New Roman" pitchFamily="18" charset="0"/>
-            </a:endParaRPr>
+              <a:t>Objects:</a:t>
+            </a:r>
           </a:p>
           <a:p>
             <a:pPr indent="517525">
@@ -6715,7 +6658,43 @@
                 </a:solidFill>
                 <a:latin typeface="Consolas"/>
               </a:rPr>
-              <a:t>[ 1, 2, 3, 4, 5]</a:t>
+              <a:t>{ </a:t>
+            </a:r>
+            <a:r>
+              <a:rPr lang="en-US" sz="2400" dirty="0" err="1" smtClean="0">
+                <a:solidFill>
+                  <a:srgbClr val="000000"/>
+                </a:solidFill>
+                <a:latin typeface="Consolas"/>
+              </a:rPr>
+              <a:t>ben</a:t>
+            </a:r>
+            <a:r>
+              <a:rPr lang="en-US" sz="2400" dirty="0" smtClean="0">
+                <a:solidFill>
+                  <a:srgbClr val="000000"/>
+                </a:solidFill>
+                <a:latin typeface="Consolas"/>
+              </a:rPr>
+              <a:t>: 10, </a:t>
+            </a:r>
+            <a:r>
+              <a:rPr lang="en-US" sz="2400" dirty="0" err="1" smtClean="0">
+                <a:solidFill>
+                  <a:srgbClr val="000000"/>
+                </a:solidFill>
+                <a:latin typeface="Consolas"/>
+              </a:rPr>
+              <a:t>susan</a:t>
+            </a:r>
+            <a:r>
+              <a:rPr lang="en-US" sz="2400" dirty="0" smtClean="0">
+                <a:solidFill>
+                  <a:srgbClr val="000000"/>
+                </a:solidFill>
+                <a:latin typeface="Consolas"/>
+              </a:rPr>
+              <a:t>: 20 }</a:t>
             </a:r>
           </a:p>
           <a:p>
@@ -6724,12 +6703,8 @@
                 <a:latin typeface="Times New Roman" pitchFamily="18" charset="0"/>
                 <a:cs typeface="Times New Roman" pitchFamily="18" charset="0"/>
               </a:rPr>
-              <a:t>Objects:</a:t>
-            </a:r>
-            <a:endParaRPr lang="en-US" sz="2400" dirty="0" smtClean="0">
-              <a:latin typeface="Times New Roman" pitchFamily="18" charset="0"/>
-              <a:cs typeface="Times New Roman" pitchFamily="18" charset="0"/>
-            </a:endParaRPr>
+              <a:t>Hybrids of the above such as :</a:t>
+            </a:r>
           </a:p>
           <a:p>
             <a:pPr indent="517525">
@@ -6742,12 +6717,21 @@
                 </a:solidFill>
                 <a:latin typeface="Consolas"/>
               </a:rPr>
-              <a:t>{ </a:t>
+              <a:t>[{ user: </a:t>
+            </a:r>
+            <a:r>
+              <a:rPr lang="en-US" sz="2400" dirty="0" smtClean="0">
+                <a:solidFill>
+                  <a:srgbClr val="2A00FF"/>
+                </a:solidFill>
+                <a:latin typeface="Consolas"/>
+              </a:rPr>
+              <a:t>'</a:t>
             </a:r>
             <a:r>
               <a:rPr lang="en-US" sz="2400" dirty="0" err="1" smtClean="0">
                 <a:solidFill>
-                  <a:srgbClr val="000000"/>
+                  <a:srgbClr val="2A00FF"/>
                 </a:solidFill>
                 <a:latin typeface="Consolas"/>
               </a:rPr>
@@ -6756,16 +6740,48 @@
             <a:r>
               <a:rPr lang="en-US" sz="2400" dirty="0" smtClean="0">
                 <a:solidFill>
-                  <a:srgbClr val="000000"/>
-                </a:solidFill>
-                <a:latin typeface="Consolas"/>
-              </a:rPr>
-              <a:t>: 10, </a:t>
+                  <a:srgbClr val="2A00FF"/>
+                </a:solidFill>
+                <a:latin typeface="Consolas"/>
+              </a:rPr>
+              <a:t>'</a:t>
+            </a:r>
+            <a:r>
+              <a:rPr lang="en-US" sz="2400" dirty="0" smtClean="0">
+                <a:solidFill>
+                  <a:srgbClr val="000000"/>
+                </a:solidFill>
+                <a:latin typeface="Consolas"/>
+              </a:rPr>
+              <a:t>, data: [1, 2, 3]},</a:t>
+            </a:r>
+          </a:p>
+          <a:p>
+            <a:pPr indent="517525">
+              <a:buNone/>
+            </a:pPr>
+            <a:r>
+              <a:rPr lang="en-US" sz="2400" dirty="0" smtClean="0">
+                <a:solidFill>
+                  <a:srgbClr val="000000"/>
+                </a:solidFill>
+                <a:latin typeface="Consolas"/>
+              </a:rPr>
+              <a:t>{ user: </a:t>
+            </a:r>
+            <a:r>
+              <a:rPr lang="en-US" sz="2400" dirty="0" smtClean="0">
+                <a:solidFill>
+                  <a:srgbClr val="2A00FF"/>
+                </a:solidFill>
+                <a:latin typeface="Consolas"/>
+              </a:rPr>
+              <a:t>'</a:t>
             </a:r>
             <a:r>
               <a:rPr lang="en-US" sz="2400" dirty="0" err="1" smtClean="0">
                 <a:solidFill>
-                  <a:srgbClr val="000000"/>
+                  <a:srgbClr val="2A00FF"/>
                 </a:solidFill>
                 <a:latin typeface="Consolas"/>
               </a:rPr>
@@ -6774,11 +6790,11 @@
             <a:r>
               <a:rPr lang="en-US" sz="2400" dirty="0" smtClean="0">
                 <a:solidFill>
-                  <a:srgbClr val="000000"/>
-                </a:solidFill>
-                <a:latin typeface="Consolas"/>
-              </a:rPr>
-              <a:t>: 20 </a:t>
+                  <a:srgbClr val="2A00FF"/>
+                </a:solidFill>
+                <a:latin typeface="Consolas"/>
+              </a:rPr>
+              <a:t>'</a:t>
             </a:r>
             <a:r>
               <a:rPr lang="en-US" sz="2400" dirty="0" smtClean="0">
@@ -6787,7 +6803,7 @@
                 </a:solidFill>
                 <a:latin typeface="Consolas"/>
               </a:rPr>
-              <a:t>}</a:t>
+              <a:t>, data: [3, 4, 5]}]</a:t>
             </a:r>
           </a:p>
           <a:p>
@@ -6796,141 +6812,7 @@
                 <a:latin typeface="Times New Roman" pitchFamily="18" charset="0"/>
                 <a:cs typeface="Times New Roman" pitchFamily="18" charset="0"/>
               </a:rPr>
-              <a:t>Hybrids of the above such as :</a:t>
-            </a:r>
-          </a:p>
-          <a:p>
-            <a:pPr indent="517525">
-              <a:buNone/>
-            </a:pPr>
-            <a:r>
-              <a:rPr lang="en-US" sz="2400" dirty="0" smtClean="0">
-                <a:solidFill>
-                  <a:srgbClr val="000000"/>
-                </a:solidFill>
-                <a:latin typeface="Consolas"/>
-              </a:rPr>
-              <a:t>[{ </a:t>
-            </a:r>
-            <a:r>
-              <a:rPr lang="en-US" sz="2400" dirty="0" smtClean="0">
-                <a:solidFill>
-                  <a:srgbClr val="000000"/>
-                </a:solidFill>
-                <a:latin typeface="Consolas"/>
-              </a:rPr>
-              <a:t>user: </a:t>
-            </a:r>
-            <a:r>
-              <a:rPr lang="en-US" sz="2400" dirty="0" smtClean="0">
-                <a:solidFill>
-                  <a:srgbClr val="2A00FF"/>
-                </a:solidFill>
-                <a:latin typeface="Consolas"/>
-              </a:rPr>
-              <a:t>'</a:t>
-            </a:r>
-            <a:r>
-              <a:rPr lang="en-US" sz="2400" dirty="0" err="1" smtClean="0">
-                <a:solidFill>
-                  <a:srgbClr val="2A00FF"/>
-                </a:solidFill>
-                <a:latin typeface="Consolas"/>
-              </a:rPr>
-              <a:t>ben</a:t>
-            </a:r>
-            <a:r>
-              <a:rPr lang="en-US" sz="2400" dirty="0" smtClean="0">
-                <a:solidFill>
-                  <a:srgbClr val="2A00FF"/>
-                </a:solidFill>
-                <a:latin typeface="Consolas"/>
-              </a:rPr>
-              <a:t>'</a:t>
-            </a:r>
-            <a:r>
-              <a:rPr lang="en-US" sz="2400" dirty="0" smtClean="0">
-                <a:solidFill>
-                  <a:srgbClr val="000000"/>
-                </a:solidFill>
-                <a:latin typeface="Consolas"/>
-              </a:rPr>
-              <a:t>, data: [1, 2, 3]},</a:t>
-            </a:r>
-          </a:p>
-          <a:p>
-            <a:pPr indent="517525">
-              <a:buNone/>
-            </a:pPr>
-            <a:r>
-              <a:rPr lang="en-US" sz="2400" dirty="0" smtClean="0">
-                <a:solidFill>
-                  <a:srgbClr val="000000"/>
-                </a:solidFill>
-                <a:latin typeface="Consolas"/>
-              </a:rPr>
-              <a:t>{ user: </a:t>
-            </a:r>
-            <a:r>
-              <a:rPr lang="en-US" sz="2400" dirty="0" smtClean="0">
-                <a:solidFill>
-                  <a:srgbClr val="2A00FF"/>
-                </a:solidFill>
-                <a:latin typeface="Consolas"/>
-              </a:rPr>
-              <a:t>'</a:t>
-            </a:r>
-            <a:r>
-              <a:rPr lang="en-US" sz="2400" dirty="0" err="1" smtClean="0">
-                <a:solidFill>
-                  <a:srgbClr val="2A00FF"/>
-                </a:solidFill>
-                <a:latin typeface="Consolas"/>
-              </a:rPr>
-              <a:t>susan</a:t>
-            </a:r>
-            <a:r>
-              <a:rPr lang="en-US" sz="2400" dirty="0" smtClean="0">
-                <a:solidFill>
-                  <a:srgbClr val="2A00FF"/>
-                </a:solidFill>
-                <a:latin typeface="Consolas"/>
-              </a:rPr>
-              <a:t>'</a:t>
-            </a:r>
-            <a:r>
-              <a:rPr lang="en-US" sz="2400" dirty="0" smtClean="0">
-                <a:solidFill>
-                  <a:srgbClr val="000000"/>
-                </a:solidFill>
-                <a:latin typeface="Consolas"/>
-              </a:rPr>
-              <a:t>, data: [3, 4, 5</a:t>
-            </a:r>
-            <a:r>
-              <a:rPr lang="en-US" sz="2400" dirty="0" smtClean="0">
-                <a:solidFill>
-                  <a:srgbClr val="000000"/>
-                </a:solidFill>
-                <a:latin typeface="Consolas"/>
-              </a:rPr>
-              <a:t>]}]</a:t>
-            </a:r>
-          </a:p>
-          <a:p>
-            <a:r>
-              <a:rPr lang="en-US" sz="2400" dirty="0" smtClean="0">
-                <a:latin typeface="Times New Roman" pitchFamily="18" charset="0"/>
-                <a:cs typeface="Times New Roman" pitchFamily="18" charset="0"/>
-              </a:rPr>
-              <a:t>Some </a:t>
-            </a:r>
-            <a:r>
-              <a:rPr lang="en-US" sz="2400" dirty="0" smtClean="0">
-                <a:latin typeface="Times New Roman" pitchFamily="18" charset="0"/>
-                <a:cs typeface="Times New Roman" pitchFamily="18" charset="0"/>
-              </a:rPr>
-              <a:t>utility functions for strings, integers and functions.</a:t>
+              <a:t>Some utility functions for strings, integers and functions.</a:t>
             </a:r>
             <a:endParaRPr lang="en-US" sz="2400" dirty="0">
               <a:latin typeface="Times New Roman" pitchFamily="18" charset="0"/>
@@ -7695,16 +7577,7 @@
                 </a:solidFill>
                 <a:latin typeface="Consolas"/>
               </a:rPr>
-              <a:t>[ </a:t>
-            </a:r>
-            <a:r>
-              <a:rPr lang="it-IT" sz="1400" dirty="0" smtClean="0">
-                <a:solidFill>
-                  <a:srgbClr val="000000"/>
-                </a:solidFill>
-                <a:latin typeface="Consolas"/>
-              </a:rPr>
-              <a:t>{ </a:t>
+              <a:t>[ { </a:t>
             </a:r>
             <a:r>
               <a:rPr lang="it-IT" sz="1400" dirty="0" smtClean="0">
@@ -8139,17 +8012,507 @@
             </a:r>
           </a:p>
           <a:p>
+            <a:pPr indent="517525">
+              <a:buNone/>
+            </a:pPr>
+            <a:r>
+              <a:rPr lang="en-US" sz="1400" b="1" dirty="0" smtClean="0">
+                <a:solidFill>
+                  <a:srgbClr val="7F0055"/>
+                </a:solidFill>
+                <a:latin typeface="Consolas"/>
+              </a:rPr>
+              <a:t>return</a:t>
+            </a:r>
+            <a:r>
+              <a:rPr lang="en-US" sz="1400" b="1" dirty="0" smtClean="0">
+                <a:solidFill>
+                  <a:srgbClr val="000000"/>
+                </a:solidFill>
+                <a:latin typeface="Consolas"/>
+              </a:rPr>
+              <a:t> country.iso3;</a:t>
+            </a:r>
+          </a:p>
+          <a:p>
             <a:pPr indent="225425">
               <a:buNone/>
             </a:pPr>
             <a:r>
+              <a:rPr lang="en-US" sz="1400" dirty="0" smtClean="0">
+                <a:solidFill>
+                  <a:srgbClr val="000000"/>
+                </a:solidFill>
+                <a:latin typeface="Consolas"/>
+              </a:rPr>
+              <a:t>});</a:t>
+            </a:r>
+          </a:p>
+          <a:p>
+            <a:pPr indent="225425">
+              <a:buNone/>
+            </a:pPr>
+            <a:r>
+              <a:rPr lang="en-US" sz="1400" dirty="0" smtClean="0">
+                <a:solidFill>
+                  <a:srgbClr val="3F7F5F"/>
+                </a:solidFill>
+                <a:latin typeface="Consolas"/>
+              </a:rPr>
+              <a:t>// or do it the easy way, with pluck.</a:t>
+            </a:r>
+          </a:p>
+          <a:p>
+            <a:pPr indent="225425">
+              <a:buNone/>
+            </a:pPr>
+            <a:r>
+              <a:rPr lang="en-US" sz="1400" b="1" dirty="0" err="1" smtClean="0">
+                <a:solidFill>
+                  <a:srgbClr val="7F0055"/>
+                </a:solidFill>
+                <a:latin typeface="Consolas"/>
+              </a:rPr>
+              <a:t>var</a:t>
+            </a:r>
+            <a:r>
               <a:rPr lang="en-US" sz="1400" b="1" dirty="0" smtClean="0">
                 <a:solidFill>
+                  <a:srgbClr val="000000"/>
+                </a:solidFill>
+                <a:latin typeface="Consolas"/>
+              </a:rPr>
+              <a:t> validISO3 = _(</a:t>
+            </a:r>
+            <a:r>
+              <a:rPr lang="en-US" sz="1400" b="1" dirty="0" err="1" smtClean="0">
+                <a:solidFill>
+                  <a:srgbClr val="000000"/>
+                </a:solidFill>
+                <a:latin typeface="Consolas"/>
+              </a:rPr>
+              <a:t>activeCountries</a:t>
+            </a:r>
+            <a:r>
+              <a:rPr lang="en-US" sz="1400" b="1" dirty="0" smtClean="0">
+                <a:solidFill>
+                  <a:srgbClr val="000000"/>
+                </a:solidFill>
+                <a:latin typeface="Consolas"/>
+              </a:rPr>
+              <a:t>).pluck(</a:t>
+            </a:r>
+            <a:r>
+              <a:rPr lang="en-US" sz="1400" b="1" dirty="0" smtClean="0">
+                <a:solidFill>
+                  <a:srgbClr val="2A00FF"/>
+                </a:solidFill>
+                <a:latin typeface="Consolas"/>
+              </a:rPr>
+              <a:t>'iso3'</a:t>
+            </a:r>
+            <a:r>
+              <a:rPr lang="en-US" sz="1400" b="1" dirty="0" smtClean="0">
+                <a:solidFill>
+                  <a:srgbClr val="000000"/>
+                </a:solidFill>
+                <a:latin typeface="Consolas"/>
+              </a:rPr>
+              <a:t>);</a:t>
+            </a:r>
+          </a:p>
+          <a:p>
+            <a:pPr indent="225425">
+              <a:buNone/>
+            </a:pPr>
+            <a:r>
+              <a:rPr lang="en-US" sz="1400" dirty="0" smtClean="0">
+                <a:solidFill>
+                  <a:srgbClr val="3F5FBF"/>
+                </a:solidFill>
+                <a:latin typeface="Consolas"/>
+              </a:rPr>
+              <a:t>/**</a:t>
+            </a:r>
+          </a:p>
+          <a:p>
+            <a:pPr indent="225425">
+              <a:buNone/>
+            </a:pPr>
+            <a:r>
+              <a:rPr lang="en-US" sz="1400" dirty="0" smtClean="0">
+                <a:solidFill>
+                  <a:srgbClr val="3F5FBF"/>
+                </a:solidFill>
+                <a:latin typeface="Consolas"/>
+              </a:rPr>
+              <a:t>*</a:t>
+            </a:r>
+            <a:r>
+              <a:rPr lang="en-US" sz="1400" dirty="0" smtClean="0">
+                <a:solidFill>
+                  <a:srgbClr val="000000"/>
+                </a:solidFill>
+                <a:latin typeface="Consolas"/>
+              </a:rPr>
+              <a:t> </a:t>
+            </a:r>
+            <a:r>
+              <a:rPr lang="en-US" sz="1400" dirty="0" smtClean="0">
+                <a:solidFill>
+                  <a:srgbClr val="3F5FBF"/>
+                </a:solidFill>
+                <a:latin typeface="Consolas"/>
+              </a:rPr>
+              <a:t>You</a:t>
+            </a:r>
+            <a:r>
+              <a:rPr lang="en-US" sz="1400" dirty="0" smtClean="0">
+                <a:solidFill>
+                  <a:srgbClr val="000000"/>
+                </a:solidFill>
+                <a:latin typeface="Consolas"/>
+              </a:rPr>
+              <a:t> </a:t>
+            </a:r>
+            <a:r>
+              <a:rPr lang="en-US" sz="1400" dirty="0" smtClean="0">
+                <a:solidFill>
+                  <a:srgbClr val="3F5FBF"/>
+                </a:solidFill>
+                <a:latin typeface="Consolas"/>
+              </a:rPr>
+              <a:t>can</a:t>
+            </a:r>
+            <a:r>
+              <a:rPr lang="en-US" sz="1400" dirty="0" smtClean="0">
+                <a:solidFill>
+                  <a:srgbClr val="000000"/>
+                </a:solidFill>
+                <a:latin typeface="Consolas"/>
+              </a:rPr>
+              <a:t> </a:t>
+            </a:r>
+            <a:r>
+              <a:rPr lang="en-US" sz="1400" dirty="0" smtClean="0">
+                <a:solidFill>
+                  <a:srgbClr val="3F5FBF"/>
+                </a:solidFill>
+                <a:latin typeface="Consolas"/>
+              </a:rPr>
+              <a:t>also</a:t>
+            </a:r>
+            <a:r>
+              <a:rPr lang="en-US" sz="1400" dirty="0" smtClean="0">
+                <a:solidFill>
+                  <a:srgbClr val="000000"/>
+                </a:solidFill>
+                <a:latin typeface="Consolas"/>
+              </a:rPr>
+              <a:t> </a:t>
+            </a:r>
+            <a:r>
+              <a:rPr lang="en-US" sz="1400" dirty="0" smtClean="0">
+                <a:solidFill>
+                  <a:srgbClr val="3F5FBF"/>
+                </a:solidFill>
+                <a:latin typeface="Consolas"/>
+              </a:rPr>
+              <a:t>use</a:t>
+            </a:r>
+            <a:r>
+              <a:rPr lang="en-US" sz="1400" dirty="0" smtClean="0">
+                <a:solidFill>
+                  <a:srgbClr val="000000"/>
+                </a:solidFill>
+                <a:latin typeface="Consolas"/>
+              </a:rPr>
+              <a:t> </a:t>
+            </a:r>
+            <a:r>
+              <a:rPr lang="en-US" sz="1400" dirty="0" smtClean="0">
+                <a:solidFill>
+                  <a:srgbClr val="3F5FBF"/>
+                </a:solidFill>
+                <a:latin typeface="Consolas"/>
+              </a:rPr>
+              <a:t>Underscore</a:t>
+            </a:r>
+            <a:r>
+              <a:rPr lang="en-US" sz="1400" dirty="0" smtClean="0">
+                <a:solidFill>
+                  <a:srgbClr val="000000"/>
+                </a:solidFill>
+                <a:latin typeface="Consolas"/>
+              </a:rPr>
+              <a:t> </a:t>
+            </a:r>
+            <a:r>
+              <a:rPr lang="en-US" sz="1400" dirty="0" smtClean="0">
+                <a:solidFill>
+                  <a:srgbClr val="3F5FBF"/>
+                </a:solidFill>
+                <a:latin typeface="Consolas"/>
+              </a:rPr>
+              <a:t>in</a:t>
+            </a:r>
+            <a:r>
+              <a:rPr lang="en-US" sz="1400" dirty="0" smtClean="0">
+                <a:solidFill>
+                  <a:srgbClr val="000000"/>
+                </a:solidFill>
+                <a:latin typeface="Consolas"/>
+              </a:rPr>
+              <a:t> </a:t>
+            </a:r>
+            <a:r>
+              <a:rPr lang="en-US" sz="1400" dirty="0" smtClean="0">
+                <a:solidFill>
+                  <a:srgbClr val="3F5FBF"/>
+                </a:solidFill>
+                <a:latin typeface="Consolas"/>
+              </a:rPr>
+              <a:t>either</a:t>
+            </a:r>
+            <a:r>
+              <a:rPr lang="en-US" sz="1400" dirty="0" smtClean="0">
+                <a:solidFill>
+                  <a:srgbClr val="000000"/>
+                </a:solidFill>
+                <a:latin typeface="Consolas"/>
+              </a:rPr>
+              <a:t> </a:t>
+            </a:r>
+            <a:r>
+              <a:rPr lang="en-US" sz="1400" dirty="0" smtClean="0">
+                <a:solidFill>
+                  <a:srgbClr val="3F5FBF"/>
+                </a:solidFill>
+                <a:latin typeface="Consolas"/>
+              </a:rPr>
+              <a:t>an</a:t>
+            </a:r>
+            <a:r>
+              <a:rPr lang="en-US" sz="1400" dirty="0" smtClean="0">
+                <a:solidFill>
+                  <a:srgbClr val="000000"/>
+                </a:solidFill>
+                <a:latin typeface="Consolas"/>
+              </a:rPr>
+              <a:t> </a:t>
+            </a:r>
+            <a:r>
+              <a:rPr lang="en-US" sz="1400" dirty="0" smtClean="0">
+                <a:solidFill>
+                  <a:srgbClr val="3F5FBF"/>
+                </a:solidFill>
+                <a:latin typeface="Consolas"/>
+              </a:rPr>
+              <a:t>object</a:t>
+            </a:r>
+            <a:r>
+              <a:rPr lang="en-US" sz="1400" dirty="0" smtClean="0">
+                <a:solidFill>
+                  <a:srgbClr val="7F7F9F"/>
+                </a:solidFill>
+                <a:latin typeface="Consolas"/>
+              </a:rPr>
+              <a:t>-</a:t>
+            </a:r>
+            <a:r>
+              <a:rPr lang="en-US" sz="1400" dirty="0" smtClean="0">
+                <a:solidFill>
+                  <a:srgbClr val="3F5FBF"/>
+                </a:solidFill>
+                <a:latin typeface="Consolas"/>
+              </a:rPr>
+              <a:t>oriented</a:t>
+            </a:r>
+            <a:r>
+              <a:rPr lang="en-US" sz="1400" dirty="0" smtClean="0">
+                <a:solidFill>
+                  <a:srgbClr val="000000"/>
+                </a:solidFill>
+                <a:latin typeface="Consolas"/>
+              </a:rPr>
+              <a:t> </a:t>
+            </a:r>
+            <a:r>
+              <a:rPr lang="en-US" sz="1400" dirty="0" smtClean="0">
+                <a:solidFill>
+                  <a:srgbClr val="3F5FBF"/>
+                </a:solidFill>
+                <a:latin typeface="Consolas"/>
+              </a:rPr>
+              <a:t>or</a:t>
+            </a:r>
+            <a:r>
+              <a:rPr lang="en-US" sz="1400" dirty="0" smtClean="0">
+                <a:solidFill>
+                  <a:srgbClr val="000000"/>
+                </a:solidFill>
+                <a:latin typeface="Consolas"/>
+              </a:rPr>
+              <a:t> </a:t>
+            </a:r>
+            <a:r>
+              <a:rPr lang="en-US" sz="1400" dirty="0" smtClean="0">
+                <a:solidFill>
+                  <a:srgbClr val="3F5FBF"/>
+                </a:solidFill>
+                <a:latin typeface="Consolas"/>
+              </a:rPr>
+              <a:t>a</a:t>
+            </a:r>
+            <a:r>
+              <a:rPr lang="en-US" sz="1400" dirty="0" smtClean="0">
+                <a:solidFill>
+                  <a:srgbClr val="000000"/>
+                </a:solidFill>
+                <a:latin typeface="Consolas"/>
+              </a:rPr>
+              <a:t> </a:t>
+            </a:r>
+            <a:r>
+              <a:rPr lang="en-US" sz="1400" dirty="0" smtClean="0">
+                <a:solidFill>
+                  <a:srgbClr val="3F5FBF"/>
+                </a:solidFill>
+                <a:latin typeface="Consolas"/>
+              </a:rPr>
+              <a:t>functional</a:t>
+            </a:r>
+          </a:p>
+          <a:p>
+            <a:pPr indent="225425">
+              <a:buNone/>
+            </a:pPr>
+            <a:r>
+              <a:rPr lang="en-US" sz="1400" dirty="0" smtClean="0">
+                <a:solidFill>
+                  <a:srgbClr val="3F5FBF"/>
+                </a:solidFill>
+                <a:latin typeface="Consolas"/>
+              </a:rPr>
+              <a:t>*</a:t>
+            </a:r>
+            <a:r>
+              <a:rPr lang="en-US" sz="1400" dirty="0" smtClean="0">
+                <a:solidFill>
+                  <a:srgbClr val="000000"/>
+                </a:solidFill>
+                <a:latin typeface="Consolas"/>
+              </a:rPr>
+              <a:t> </a:t>
+            </a:r>
+            <a:r>
+              <a:rPr lang="en-US" sz="1400" dirty="0" smtClean="0">
+                <a:solidFill>
+                  <a:srgbClr val="3F5FBF"/>
+                </a:solidFill>
+                <a:latin typeface="Consolas"/>
+              </a:rPr>
+              <a:t>style,</a:t>
+            </a:r>
+            <a:r>
+              <a:rPr lang="en-US" sz="1400" dirty="0" smtClean="0">
+                <a:solidFill>
+                  <a:srgbClr val="000000"/>
+                </a:solidFill>
+                <a:latin typeface="Consolas"/>
+              </a:rPr>
+              <a:t> </a:t>
+            </a:r>
+            <a:r>
+              <a:rPr lang="en-US" sz="1400" dirty="0" smtClean="0">
+                <a:solidFill>
+                  <a:srgbClr val="3F5FBF"/>
+                </a:solidFill>
+                <a:latin typeface="Consolas"/>
+              </a:rPr>
+              <a:t>depending</a:t>
+            </a:r>
+            <a:r>
+              <a:rPr lang="en-US" sz="1400" dirty="0" smtClean="0">
+                <a:solidFill>
+                  <a:srgbClr val="000000"/>
+                </a:solidFill>
+                <a:latin typeface="Consolas"/>
+              </a:rPr>
+              <a:t> </a:t>
+            </a:r>
+            <a:r>
+              <a:rPr lang="en-US" sz="1400" dirty="0" smtClean="0">
+                <a:solidFill>
+                  <a:srgbClr val="3F5FBF"/>
+                </a:solidFill>
+                <a:latin typeface="Consolas"/>
+              </a:rPr>
+              <a:t>on</a:t>
+            </a:r>
+            <a:r>
+              <a:rPr lang="en-US" sz="1400" dirty="0" smtClean="0">
+                <a:solidFill>
+                  <a:srgbClr val="000000"/>
+                </a:solidFill>
+                <a:latin typeface="Consolas"/>
+              </a:rPr>
+              <a:t> </a:t>
+            </a:r>
+            <a:r>
+              <a:rPr lang="en-US" sz="1400" dirty="0" smtClean="0">
+                <a:solidFill>
+                  <a:srgbClr val="3F5FBF"/>
+                </a:solidFill>
+                <a:latin typeface="Consolas"/>
+              </a:rPr>
+              <a:t>your</a:t>
+            </a:r>
+            <a:r>
+              <a:rPr lang="en-US" sz="1400" dirty="0" smtClean="0">
+                <a:solidFill>
+                  <a:srgbClr val="000000"/>
+                </a:solidFill>
+                <a:latin typeface="Consolas"/>
+              </a:rPr>
+              <a:t> </a:t>
+            </a:r>
+            <a:r>
+              <a:rPr lang="en-US" sz="1400" dirty="0" smtClean="0">
+                <a:solidFill>
+                  <a:srgbClr val="3F5FBF"/>
+                </a:solidFill>
+                <a:latin typeface="Consolas"/>
+              </a:rPr>
+              <a:t>preference.</a:t>
+            </a:r>
+          </a:p>
+          <a:p>
+            <a:pPr indent="225425">
+              <a:buNone/>
+            </a:pPr>
+            <a:r>
+              <a:rPr lang="en-US" sz="1400" dirty="0" smtClean="0">
+                <a:solidFill>
+                  <a:srgbClr val="3F5FBF"/>
+                </a:solidFill>
+                <a:latin typeface="Consolas"/>
+              </a:rPr>
+              <a:t>*/</a:t>
+            </a:r>
+          </a:p>
+          <a:p>
+            <a:pPr indent="225425">
+              <a:buNone/>
+            </a:pPr>
+            <a:r>
+              <a:rPr lang="en-US" sz="1400" b="1" dirty="0" err="1" smtClean="0">
+                <a:solidFill>
                   <a:srgbClr val="7F0055"/>
                 </a:solidFill>
                 <a:latin typeface="Consolas"/>
               </a:rPr>
-              <a:t>return</a:t>
+              <a:t>var</a:t>
             </a:r>
             <a:r>
               <a:rPr lang="en-US" sz="1400" b="1" dirty="0" smtClean="0">
@@ -8158,7 +8521,43 @@
                 </a:solidFill>
                 <a:latin typeface="Consolas"/>
               </a:rPr>
-              <a:t> country.iso3;</a:t>
+              <a:t> validISO3 = _.pluck(</a:t>
+            </a:r>
+            <a:r>
+              <a:rPr lang="en-US" sz="1400" b="1" dirty="0" err="1" smtClean="0">
+                <a:solidFill>
+                  <a:srgbClr val="000000"/>
+                </a:solidFill>
+                <a:latin typeface="Consolas"/>
+              </a:rPr>
+              <a:t>activeCountries</a:t>
+            </a:r>
+            <a:r>
+              <a:rPr lang="en-US" sz="1400" b="1" dirty="0" smtClean="0">
+                <a:solidFill>
+                  <a:srgbClr val="000000"/>
+                </a:solidFill>
+                <a:latin typeface="Consolas"/>
+              </a:rPr>
+              <a:t>, </a:t>
+            </a:r>
+            <a:r>
+              <a:rPr lang="en-US" sz="1400" b="1" dirty="0" smtClean="0">
+                <a:solidFill>
+                  <a:srgbClr val="2A00FF"/>
+                </a:solidFill>
+                <a:latin typeface="Consolas"/>
+              </a:rPr>
+              <a:t>'iso3'</a:t>
+            </a:r>
+            <a:r>
+              <a:rPr lang="en-US" sz="1400" b="1" dirty="0" smtClean="0">
+                <a:solidFill>
+                  <a:srgbClr val="000000"/>
+                </a:solidFill>
+                <a:latin typeface="Consolas"/>
+              </a:rPr>
+              <a:t>);</a:t>
             </a:r>
           </a:p>
           <a:p>
@@ -8166,34 +8565,6 @@
               <a:buNone/>
             </a:pPr>
             <a:r>
-              <a:rPr lang="en-US" sz="1400" dirty="0" smtClean="0">
-                <a:solidFill>
-                  <a:srgbClr val="000000"/>
-                </a:solidFill>
-                <a:latin typeface="Consolas"/>
-              </a:rPr>
-              <a:t>});</a:t>
-            </a:r>
-          </a:p>
-          <a:p>
-            <a:pPr indent="225425">
-              <a:buNone/>
-            </a:pPr>
-            <a:r>
-              <a:rPr lang="en-US" sz="1400" dirty="0" smtClean="0">
-                <a:solidFill>
-                  <a:srgbClr val="3F7F5F"/>
-                </a:solidFill>
-                <a:latin typeface="Consolas"/>
-              </a:rPr>
-              <a:t>// or do it the easy way, with pluck.</a:t>
-            </a:r>
-          </a:p>
-          <a:p>
-            <a:pPr indent="225425">
-              <a:buNone/>
-            </a:pPr>
-            <a:r>
               <a:rPr lang="en-US" sz="1400" b="1" dirty="0" err="1" smtClean="0">
                 <a:solidFill>
                   <a:srgbClr val="7F0055"/>
@@ -8236,514 +8607,7 @@
                 </a:solidFill>
                 <a:latin typeface="Consolas"/>
               </a:rPr>
-              <a:t>'iso3'</a:t>
-            </a:r>
-            <a:r>
-              <a:rPr lang="en-US" sz="1400" b="1" dirty="0" smtClean="0">
-                <a:solidFill>
-                  <a:srgbClr val="000000"/>
-                </a:solidFill>
-                <a:latin typeface="Consolas"/>
-              </a:rPr>
-              <a:t>);</a:t>
-            </a:r>
-          </a:p>
-          <a:p>
-            <a:pPr indent="225425">
-              <a:buNone/>
-            </a:pPr>
-            <a:r>
-              <a:rPr lang="en-US" sz="1400" dirty="0" smtClean="0">
-                <a:solidFill>
-                  <a:srgbClr val="3F5FBF"/>
-                </a:solidFill>
-                <a:latin typeface="Consolas"/>
-              </a:rPr>
-              <a:t>/**</a:t>
-            </a:r>
-          </a:p>
-          <a:p>
-            <a:pPr indent="225425">
-              <a:buNone/>
-            </a:pPr>
-            <a:r>
-              <a:rPr lang="en-US" sz="1400" dirty="0" smtClean="0">
-                <a:solidFill>
-                  <a:srgbClr val="3F5FBF"/>
-                </a:solidFill>
-                <a:latin typeface="Consolas"/>
-              </a:rPr>
-              <a:t>*</a:t>
-            </a:r>
-            <a:r>
-              <a:rPr lang="en-US" sz="1400" dirty="0" smtClean="0">
-                <a:solidFill>
-                  <a:srgbClr val="000000"/>
-                </a:solidFill>
-                <a:latin typeface="Consolas"/>
-              </a:rPr>
-              <a:t> </a:t>
-            </a:r>
-            <a:r>
-              <a:rPr lang="en-US" sz="1400" dirty="0" smtClean="0">
-                <a:solidFill>
-                  <a:srgbClr val="3F5FBF"/>
-                </a:solidFill>
-                <a:latin typeface="Consolas"/>
-              </a:rPr>
-              <a:t>You</a:t>
-            </a:r>
-            <a:r>
-              <a:rPr lang="en-US" sz="1400" dirty="0" smtClean="0">
-                <a:solidFill>
-                  <a:srgbClr val="000000"/>
-                </a:solidFill>
-                <a:latin typeface="Consolas"/>
-              </a:rPr>
-              <a:t> </a:t>
-            </a:r>
-            <a:r>
-              <a:rPr lang="en-US" sz="1400" dirty="0" smtClean="0">
-                <a:solidFill>
-                  <a:srgbClr val="3F5FBF"/>
-                </a:solidFill>
-                <a:latin typeface="Consolas"/>
-              </a:rPr>
-              <a:t>can</a:t>
-            </a:r>
-            <a:r>
-              <a:rPr lang="en-US" sz="1400" dirty="0" smtClean="0">
-                <a:solidFill>
-                  <a:srgbClr val="000000"/>
-                </a:solidFill>
-                <a:latin typeface="Consolas"/>
-              </a:rPr>
-              <a:t> </a:t>
-            </a:r>
-            <a:r>
-              <a:rPr lang="en-US" sz="1400" dirty="0" smtClean="0">
-                <a:solidFill>
-                  <a:srgbClr val="3F5FBF"/>
-                </a:solidFill>
-                <a:latin typeface="Consolas"/>
-              </a:rPr>
-              <a:t>also</a:t>
-            </a:r>
-            <a:r>
-              <a:rPr lang="en-US" sz="1400" dirty="0" smtClean="0">
-                <a:solidFill>
-                  <a:srgbClr val="000000"/>
-                </a:solidFill>
-                <a:latin typeface="Consolas"/>
-              </a:rPr>
-              <a:t> </a:t>
-            </a:r>
-            <a:r>
-              <a:rPr lang="en-US" sz="1400" dirty="0" smtClean="0">
-                <a:solidFill>
-                  <a:srgbClr val="3F5FBF"/>
-                </a:solidFill>
-                <a:latin typeface="Consolas"/>
-              </a:rPr>
-              <a:t>use</a:t>
-            </a:r>
-            <a:r>
-              <a:rPr lang="en-US" sz="1400" dirty="0" smtClean="0">
-                <a:solidFill>
-                  <a:srgbClr val="000000"/>
-                </a:solidFill>
-                <a:latin typeface="Consolas"/>
-              </a:rPr>
-              <a:t> </a:t>
-            </a:r>
-            <a:r>
-              <a:rPr lang="en-US" sz="1400" dirty="0" smtClean="0">
-                <a:solidFill>
-                  <a:srgbClr val="3F5FBF"/>
-                </a:solidFill>
-                <a:latin typeface="Consolas"/>
-              </a:rPr>
-              <a:t>Underscore</a:t>
-            </a:r>
-            <a:r>
-              <a:rPr lang="en-US" sz="1400" dirty="0" smtClean="0">
-                <a:solidFill>
-                  <a:srgbClr val="000000"/>
-                </a:solidFill>
-                <a:latin typeface="Consolas"/>
-              </a:rPr>
-              <a:t> </a:t>
-            </a:r>
-            <a:r>
-              <a:rPr lang="en-US" sz="1400" dirty="0" smtClean="0">
-                <a:solidFill>
-                  <a:srgbClr val="3F5FBF"/>
-                </a:solidFill>
-                <a:latin typeface="Consolas"/>
-              </a:rPr>
-              <a:t>in</a:t>
-            </a:r>
-            <a:r>
-              <a:rPr lang="en-US" sz="1400" dirty="0" smtClean="0">
-                <a:solidFill>
-                  <a:srgbClr val="000000"/>
-                </a:solidFill>
-                <a:latin typeface="Consolas"/>
-              </a:rPr>
-              <a:t> </a:t>
-            </a:r>
-            <a:r>
-              <a:rPr lang="en-US" sz="1400" dirty="0" smtClean="0">
-                <a:solidFill>
-                  <a:srgbClr val="3F5FBF"/>
-                </a:solidFill>
-                <a:latin typeface="Consolas"/>
-              </a:rPr>
-              <a:t>either</a:t>
-            </a:r>
-            <a:r>
-              <a:rPr lang="en-US" sz="1400" dirty="0" smtClean="0">
-                <a:solidFill>
-                  <a:srgbClr val="000000"/>
-                </a:solidFill>
-                <a:latin typeface="Consolas"/>
-              </a:rPr>
-              <a:t> </a:t>
-            </a:r>
-            <a:r>
-              <a:rPr lang="en-US" sz="1400" dirty="0" smtClean="0">
-                <a:solidFill>
-                  <a:srgbClr val="3F5FBF"/>
-                </a:solidFill>
-                <a:latin typeface="Consolas"/>
-              </a:rPr>
-              <a:t>an</a:t>
-            </a:r>
-            <a:r>
-              <a:rPr lang="en-US" sz="1400" dirty="0" smtClean="0">
-                <a:solidFill>
-                  <a:srgbClr val="000000"/>
-                </a:solidFill>
-                <a:latin typeface="Consolas"/>
-              </a:rPr>
-              <a:t> </a:t>
-            </a:r>
-            <a:r>
-              <a:rPr lang="en-US" sz="1400" dirty="0" smtClean="0">
-                <a:solidFill>
-                  <a:srgbClr val="3F5FBF"/>
-                </a:solidFill>
-                <a:latin typeface="Consolas"/>
-              </a:rPr>
-              <a:t>object</a:t>
-            </a:r>
-            <a:r>
-              <a:rPr lang="en-US" sz="1400" dirty="0" smtClean="0">
-                <a:solidFill>
-                  <a:srgbClr val="7F7F9F"/>
-                </a:solidFill>
-                <a:latin typeface="Consolas"/>
-              </a:rPr>
-              <a:t>-</a:t>
-            </a:r>
-            <a:r>
-              <a:rPr lang="en-US" sz="1400" dirty="0" smtClean="0">
-                <a:solidFill>
-                  <a:srgbClr val="3F5FBF"/>
-                </a:solidFill>
-                <a:latin typeface="Consolas"/>
-              </a:rPr>
-              <a:t>oriented</a:t>
-            </a:r>
-            <a:r>
-              <a:rPr lang="en-US" sz="1400" dirty="0" smtClean="0">
-                <a:solidFill>
-                  <a:srgbClr val="000000"/>
-                </a:solidFill>
-                <a:latin typeface="Consolas"/>
-              </a:rPr>
-              <a:t> </a:t>
-            </a:r>
-            <a:r>
-              <a:rPr lang="en-US" sz="1400" dirty="0" smtClean="0">
-                <a:solidFill>
-                  <a:srgbClr val="3F5FBF"/>
-                </a:solidFill>
-                <a:latin typeface="Consolas"/>
-              </a:rPr>
-              <a:t>or</a:t>
-            </a:r>
-            <a:r>
-              <a:rPr lang="en-US" sz="1400" dirty="0" smtClean="0">
-                <a:solidFill>
-                  <a:srgbClr val="000000"/>
-                </a:solidFill>
-                <a:latin typeface="Consolas"/>
-              </a:rPr>
-              <a:t> </a:t>
-            </a:r>
-            <a:r>
-              <a:rPr lang="en-US" sz="1400" dirty="0" smtClean="0">
-                <a:solidFill>
-                  <a:srgbClr val="3F5FBF"/>
-                </a:solidFill>
-                <a:latin typeface="Consolas"/>
-              </a:rPr>
-              <a:t>a</a:t>
-            </a:r>
-            <a:r>
-              <a:rPr lang="en-US" sz="1400" dirty="0" smtClean="0">
-                <a:solidFill>
-                  <a:srgbClr val="000000"/>
-                </a:solidFill>
-                <a:latin typeface="Consolas"/>
-              </a:rPr>
-              <a:t> </a:t>
-            </a:r>
-            <a:r>
-              <a:rPr lang="en-US" sz="1400" dirty="0" smtClean="0">
-                <a:solidFill>
-                  <a:srgbClr val="3F5FBF"/>
-                </a:solidFill>
-                <a:latin typeface="Consolas"/>
-              </a:rPr>
-              <a:t>functional</a:t>
-            </a:r>
-          </a:p>
-          <a:p>
-            <a:pPr indent="225425">
-              <a:buNone/>
-            </a:pPr>
-            <a:r>
-              <a:rPr lang="en-US" sz="1400" dirty="0" smtClean="0">
-                <a:solidFill>
-                  <a:srgbClr val="3F5FBF"/>
-                </a:solidFill>
-                <a:latin typeface="Consolas"/>
-              </a:rPr>
-              <a:t>*</a:t>
-            </a:r>
-            <a:r>
-              <a:rPr lang="en-US" sz="1400" dirty="0" smtClean="0">
-                <a:solidFill>
-                  <a:srgbClr val="000000"/>
-                </a:solidFill>
-                <a:latin typeface="Consolas"/>
-              </a:rPr>
-              <a:t> </a:t>
-            </a:r>
-            <a:r>
-              <a:rPr lang="en-US" sz="1400" dirty="0" smtClean="0">
-                <a:solidFill>
-                  <a:srgbClr val="3F5FBF"/>
-                </a:solidFill>
-                <a:latin typeface="Consolas"/>
-              </a:rPr>
-              <a:t>style,</a:t>
-            </a:r>
-            <a:r>
-              <a:rPr lang="en-US" sz="1400" dirty="0" smtClean="0">
-                <a:solidFill>
-                  <a:srgbClr val="000000"/>
-                </a:solidFill>
-                <a:latin typeface="Consolas"/>
-              </a:rPr>
-              <a:t> </a:t>
-            </a:r>
-            <a:r>
-              <a:rPr lang="en-US" sz="1400" dirty="0" smtClean="0">
-                <a:solidFill>
-                  <a:srgbClr val="3F5FBF"/>
-                </a:solidFill>
-                <a:latin typeface="Consolas"/>
-              </a:rPr>
-              <a:t>depending</a:t>
-            </a:r>
-            <a:r>
-              <a:rPr lang="en-US" sz="1400" dirty="0" smtClean="0">
-                <a:solidFill>
-                  <a:srgbClr val="000000"/>
-                </a:solidFill>
-                <a:latin typeface="Consolas"/>
-              </a:rPr>
-              <a:t> </a:t>
-            </a:r>
-            <a:r>
-              <a:rPr lang="en-US" sz="1400" dirty="0" smtClean="0">
-                <a:solidFill>
-                  <a:srgbClr val="3F5FBF"/>
-                </a:solidFill>
-                <a:latin typeface="Consolas"/>
-              </a:rPr>
-              <a:t>on</a:t>
-            </a:r>
-            <a:r>
-              <a:rPr lang="en-US" sz="1400" dirty="0" smtClean="0">
-                <a:solidFill>
-                  <a:srgbClr val="000000"/>
-                </a:solidFill>
-                <a:latin typeface="Consolas"/>
-              </a:rPr>
-              <a:t> </a:t>
-            </a:r>
-            <a:r>
-              <a:rPr lang="en-US" sz="1400" dirty="0" smtClean="0">
-                <a:solidFill>
-                  <a:srgbClr val="3F5FBF"/>
-                </a:solidFill>
-                <a:latin typeface="Consolas"/>
-              </a:rPr>
-              <a:t>your</a:t>
-            </a:r>
-            <a:r>
-              <a:rPr lang="en-US" sz="1400" dirty="0" smtClean="0">
-                <a:solidFill>
-                  <a:srgbClr val="000000"/>
-                </a:solidFill>
-                <a:latin typeface="Consolas"/>
-              </a:rPr>
-              <a:t> </a:t>
-            </a:r>
-            <a:r>
-              <a:rPr lang="en-US" sz="1400" dirty="0" smtClean="0">
-                <a:solidFill>
-                  <a:srgbClr val="3F5FBF"/>
-                </a:solidFill>
-                <a:latin typeface="Consolas"/>
-              </a:rPr>
-              <a:t>preference.</a:t>
-            </a:r>
-          </a:p>
-          <a:p>
-            <a:pPr indent="225425">
-              <a:buNone/>
-            </a:pPr>
-            <a:r>
-              <a:rPr lang="en-US" sz="1400" dirty="0" smtClean="0">
-                <a:solidFill>
-                  <a:srgbClr val="3F5FBF"/>
-                </a:solidFill>
-                <a:latin typeface="Consolas"/>
-              </a:rPr>
-              <a:t>*/</a:t>
-            </a:r>
-          </a:p>
-          <a:p>
-            <a:pPr indent="225425">
-              <a:buNone/>
-            </a:pPr>
-            <a:r>
-              <a:rPr lang="en-US" sz="1400" b="1" dirty="0" err="1" smtClean="0">
-                <a:solidFill>
-                  <a:srgbClr val="7F0055"/>
-                </a:solidFill>
-                <a:latin typeface="Consolas"/>
-              </a:rPr>
-              <a:t>var</a:t>
-            </a:r>
-            <a:r>
-              <a:rPr lang="en-US" sz="1400" b="1" dirty="0" smtClean="0">
-                <a:solidFill>
-                  <a:srgbClr val="000000"/>
-                </a:solidFill>
-                <a:latin typeface="Consolas"/>
-              </a:rPr>
-              <a:t> validISO3 = _.pluck(</a:t>
-            </a:r>
-            <a:r>
-              <a:rPr lang="en-US" sz="1400" b="1" dirty="0" err="1" smtClean="0">
-                <a:solidFill>
-                  <a:srgbClr val="000000"/>
-                </a:solidFill>
-                <a:latin typeface="Consolas"/>
-              </a:rPr>
-              <a:t>activeCountries</a:t>
-            </a:r>
-            <a:r>
-              <a:rPr lang="en-US" sz="1400" b="1" dirty="0" smtClean="0">
-                <a:solidFill>
-                  <a:srgbClr val="000000"/>
-                </a:solidFill>
-                <a:latin typeface="Consolas"/>
-              </a:rPr>
-              <a:t>, </a:t>
-            </a:r>
-            <a:r>
-              <a:rPr lang="en-US" sz="1400" b="1" dirty="0" smtClean="0">
-                <a:solidFill>
-                  <a:srgbClr val="2A00FF"/>
-                </a:solidFill>
-                <a:latin typeface="Consolas"/>
-              </a:rPr>
-              <a:t>'iso3'</a:t>
-            </a:r>
-            <a:r>
-              <a:rPr lang="en-US" sz="1400" b="1" dirty="0" smtClean="0">
-                <a:solidFill>
-                  <a:srgbClr val="000000"/>
-                </a:solidFill>
-                <a:latin typeface="Consolas"/>
-              </a:rPr>
-              <a:t>);</a:t>
-            </a:r>
-          </a:p>
-          <a:p>
-            <a:pPr indent="225425">
-              <a:buNone/>
-            </a:pPr>
-            <a:r>
-              <a:rPr lang="en-US" sz="1400" b="1" dirty="0" err="1" smtClean="0">
-                <a:solidFill>
-                  <a:srgbClr val="7F0055"/>
-                </a:solidFill>
-                <a:latin typeface="Consolas"/>
-              </a:rPr>
-              <a:t>var</a:t>
-            </a:r>
-            <a:r>
-              <a:rPr lang="en-US" sz="1400" b="1" dirty="0" smtClean="0">
-                <a:solidFill>
-                  <a:srgbClr val="000000"/>
-                </a:solidFill>
-                <a:latin typeface="Consolas"/>
-              </a:rPr>
-              <a:t> validISO3 = _(</a:t>
-            </a:r>
-            <a:r>
-              <a:rPr lang="en-US" sz="1400" b="1" dirty="0" err="1" smtClean="0">
-                <a:solidFill>
-                  <a:srgbClr val="000000"/>
-                </a:solidFill>
-                <a:latin typeface="Consolas"/>
-              </a:rPr>
-              <a:t>activeCountries</a:t>
-            </a:r>
-            <a:r>
-              <a:rPr lang="en-US" sz="1400" b="1" dirty="0" smtClean="0">
-                <a:solidFill>
-                  <a:srgbClr val="000000"/>
-                </a:solidFill>
-                <a:latin typeface="Consolas"/>
-              </a:rPr>
-              <a:t>).pluck(</a:t>
-            </a:r>
-            <a:r>
-              <a:rPr lang="en-US" sz="1400" b="1" dirty="0" smtClean="0">
-                <a:solidFill>
-                  <a:srgbClr val="2A00FF"/>
-                </a:solidFill>
-                <a:latin typeface="Consolas"/>
-              </a:rPr>
-              <a:t>'iso3</a:t>
-            </a:r>
-            <a:r>
-              <a:rPr lang="en-US" sz="1400" b="1" dirty="0" smtClean="0">
-                <a:solidFill>
-                  <a:srgbClr val="2A00FF"/>
-                </a:solidFill>
-                <a:latin typeface="Consolas"/>
-              </a:rPr>
-              <a:t>');</a:t>
+              <a:t>'iso3');</a:t>
             </a:r>
             <a:endParaRPr lang="en-US" sz="1400" b="1" dirty="0" smtClean="0">
               <a:ea typeface="SimSun" pitchFamily="2" charset="-122"/>
@@ -8759,14 +8623,7 @@
                 <a:ea typeface="SimSun" pitchFamily="2" charset="-122"/>
                 <a:cs typeface="Palatino-Roman"/>
               </a:rPr>
-              <a:t>RESULTS</a:t>
-            </a:r>
-            <a:r>
-              <a:rPr lang="en-US" sz="1400" b="1" dirty="0" smtClean="0">
-                <a:ea typeface="SimSun" pitchFamily="2" charset="-122"/>
-                <a:cs typeface="Palatino-Roman"/>
-              </a:rPr>
-              <a:t>:</a:t>
+              <a:t>RESULTS:</a:t>
             </a:r>
           </a:p>
           <a:p>
@@ -8928,14 +8785,7 @@
                 <a:ea typeface="SimSun" pitchFamily="2" charset="-122"/>
                 <a:cs typeface="Palatino-Roman"/>
               </a:rPr>
-              <a:t>CODE</a:t>
-            </a:r>
-            <a:r>
-              <a:rPr lang="en-US" sz="1400" b="1" dirty="0" smtClean="0">
-                <a:ea typeface="SimSun" pitchFamily="2" charset="-122"/>
-                <a:cs typeface="Palatino-Roman"/>
-              </a:rPr>
-              <a:t>:</a:t>
+              <a:t>CODE:</a:t>
             </a:r>
           </a:p>
           <a:p>
@@ -10467,14 +10317,7 @@
                 <a:ea typeface="SimSun" pitchFamily="2" charset="-122"/>
                 <a:cs typeface="Palatino-Roman"/>
               </a:rPr>
-              <a:t>CODE</a:t>
-            </a:r>
-            <a:r>
-              <a:rPr lang="en-US" sz="1400" b="1" dirty="0" smtClean="0">
-                <a:ea typeface="SimSun" pitchFamily="2" charset="-122"/>
-                <a:cs typeface="Palatino-Roman"/>
-              </a:rPr>
-              <a:t>:</a:t>
+              <a:t>CODE:</a:t>
             </a:r>
           </a:p>
           <a:p>
@@ -11392,7 +11235,16 @@
                 </a:solidFill>
                 <a:latin typeface="Consolas"/>
               </a:rPr>
-              <a:t> memo </a:t>
+              <a:t> memo + </a:t>
+            </a:r>
+            <a:r>
+              <a:rPr lang="en-US" sz="1200" b="1" dirty="0" err="1" smtClean="0">
+                <a:solidFill>
+                  <a:srgbClr val="000000"/>
+                </a:solidFill>
+                <a:latin typeface="Consolas"/>
+              </a:rPr>
+              <a:t>country.population</a:t>
             </a:r>
             <a:r>
               <a:rPr lang="en-US" sz="1200" b="1" dirty="0" smtClean="0">
@@ -11401,32 +11253,8 @@
                 </a:solidFill>
                 <a:latin typeface="Consolas"/>
               </a:rPr>
-              <a:t>+ </a:t>
-            </a:r>
-            <a:r>
-              <a:rPr lang="en-US" sz="1200" b="1" dirty="0" err="1" smtClean="0">
-                <a:solidFill>
-                  <a:srgbClr val="000000"/>
-                </a:solidFill>
-                <a:latin typeface="Consolas"/>
-              </a:rPr>
-              <a:t>country.population</a:t>
-            </a:r>
-            <a:r>
-              <a:rPr lang="en-US" sz="1200" b="1" dirty="0" smtClean="0">
-                <a:solidFill>
-                  <a:srgbClr val="000000"/>
-                </a:solidFill>
-                <a:latin typeface="Consolas"/>
-              </a:rPr>
               <a:t>;</a:t>
             </a:r>
-            <a:endParaRPr lang="en-US" sz="1200" b="1" dirty="0" smtClean="0">
-              <a:solidFill>
-                <a:srgbClr val="000000"/>
-              </a:solidFill>
-              <a:latin typeface="Consolas"/>
-            </a:endParaRPr>
           </a:p>
           <a:p>
             <a:pPr indent="225425">
@@ -11439,23 +11267,8 @@
                 </a:solidFill>
                 <a:latin typeface="Consolas"/>
               </a:rPr>
-              <a:t>}, 0</a:t>
-            </a:r>
-            <a:r>
-              <a:rPr lang="en-US" sz="1200" dirty="0" smtClean="0">
-                <a:solidFill>
-                  <a:srgbClr val="000000"/>
-                </a:solidFill>
-                <a:latin typeface="Consolas"/>
-              </a:rPr>
-              <a:t>);</a:t>
-            </a:r>
-            <a:endParaRPr lang="en-US" sz="1200" dirty="0" smtClean="0">
-              <a:solidFill>
-                <a:srgbClr val="000000"/>
-              </a:solidFill>
-              <a:latin typeface="Consolas"/>
-            </a:endParaRPr>
+              <a:t>}, 0);</a:t>
+            </a:r>
           </a:p>
           <a:p>
             <a:pPr indent="225425">
@@ -12044,14 +11857,7 @@
                 <a:ea typeface="SimSun" pitchFamily="2" charset="-122"/>
                 <a:cs typeface="Palatino-Roman"/>
               </a:rPr>
-              <a:t>CODE</a:t>
-            </a:r>
-            <a:r>
-              <a:rPr lang="en-US" sz="1400" b="1" dirty="0" smtClean="0">
-                <a:ea typeface="SimSun" pitchFamily="2" charset="-122"/>
-                <a:cs typeface="Palatino-Roman"/>
-              </a:rPr>
-              <a:t>:</a:t>
+              <a:t>CODE:</a:t>
             </a:r>
           </a:p>
           <a:p>
@@ -13308,7 +13114,7 @@
             </a:r>
           </a:p>
           <a:p>
-            <a:pPr indent="287338">
+            <a:pPr indent="517525">
               <a:buNone/>
             </a:pPr>
             <a:r>
@@ -13322,7 +13128,7 @@
             </a:r>
           </a:p>
           <a:p>
-            <a:pPr indent="287338">
+            <a:pPr indent="517525">
               <a:buNone/>
             </a:pPr>
             <a:r>
